--- a/Slides/Module 09.2 Distributing Data.pptx
+++ b/Slides/Module 09.2 Distributing Data.pptx
@@ -2024,7 +2024,7 @@
                 <a:tabLst/>
                 <a:defRPr/>
               </a:pPr>
-              <a:t>1/31/2023</a:t>
+              <a:t>2/1/2023</a:t>
             </a:fld>
             <a:endParaRPr kumimoji="0" lang="en-US" sz="1200" b="0" i="0" u="none" strike="noStrike" kern="1200" cap="none" spc="0" normalizeH="0" baseline="0" noProof="0">
               <a:ln>
@@ -2508,7 +2508,7 @@
                 <a:tabLst/>
                 <a:defRPr/>
               </a:pPr>
-              <a:t>1/31/2023</a:t>
+              <a:t>2/1/2023</a:t>
             </a:fld>
             <a:endParaRPr kumimoji="0" lang="en-US" sz="1200" b="0" i="0" u="none" strike="noStrike" kern="1200" cap="none" spc="0" normalizeH="0" baseline="0" noProof="0">
               <a:ln>
@@ -2866,7 +2866,7 @@
                 <a:tabLst/>
                 <a:defRPr/>
               </a:pPr>
-              <a:t>1/31/2023</a:t>
+              <a:t>2/1/2023</a:t>
             </a:fld>
             <a:endParaRPr kumimoji="0" lang="en-US" sz="1200" b="0" i="0" u="none" strike="noStrike" kern="1200" cap="none" spc="0" normalizeH="0" baseline="0" noProof="0">
               <a:ln>
@@ -3234,7 +3234,7 @@
                 <a:tabLst/>
                 <a:defRPr/>
               </a:pPr>
-              <a:t>1/31/2023</a:t>
+              <a:t>2/1/2023</a:t>
             </a:fld>
             <a:endParaRPr kumimoji="0" lang="en-US" sz="1200" b="0" i="0" u="none" strike="noStrike" kern="1200" cap="none" spc="0" normalizeH="0" baseline="0" noProof="0">
               <a:ln>
@@ -4034,7 +4034,7 @@
                 <a:tabLst/>
                 <a:defRPr/>
               </a:pPr>
-              <a:t>1/31/2023</a:t>
+              <a:t>2/1/2023</a:t>
             </a:fld>
             <a:endParaRPr kumimoji="0" lang="en-US" sz="1200" b="0" i="0" u="none" strike="noStrike" kern="1200" cap="none" spc="0" normalizeH="0" baseline="0" noProof="0">
               <a:ln>
@@ -4444,7 +4444,7 @@
                 <a:tabLst/>
                 <a:defRPr/>
               </a:pPr>
-              <a:t>1/31/2023</a:t>
+              <a:t>2/1/2023</a:t>
             </a:fld>
             <a:endParaRPr kumimoji="0" lang="en-US" sz="1200" b="0" i="0" u="none" strike="noStrike" kern="1200" cap="none" spc="0" normalizeH="0" baseline="0" noProof="0">
               <a:ln>
@@ -4792,7 +4792,7 @@
                 <a:tabLst/>
                 <a:defRPr/>
               </a:pPr>
-              <a:t>1/31/2023</a:t>
+              <a:t>2/1/2023</a:t>
             </a:fld>
             <a:endParaRPr kumimoji="0" lang="en-US" sz="1200" b="0" i="0" u="none" strike="noStrike" kern="1200" cap="none" spc="0" normalizeH="0" baseline="0" noProof="0">
               <a:ln>
@@ -5265,7 +5265,7 @@
                 <a:tabLst/>
                 <a:defRPr/>
               </a:pPr>
-              <a:t>1/31/2023</a:t>
+              <a:t>2/1/2023</a:t>
             </a:fld>
             <a:endParaRPr kumimoji="0" lang="en-US" sz="1200" b="0" i="0" u="none" strike="noStrike" kern="1200" cap="none" spc="0" normalizeH="0" baseline="0" noProof="0">
               <a:ln>
@@ -5726,7 +5726,7 @@
                 <a:tabLst/>
                 <a:defRPr/>
               </a:pPr>
-              <a:t>1/31/2023</a:t>
+              <a:t>2/1/2023</a:t>
             </a:fld>
             <a:endParaRPr kumimoji="0" lang="en-US" sz="1200" b="0" i="0" u="none" strike="noStrike" kern="1200" cap="none" spc="0" normalizeH="0" baseline="0" noProof="0">
               <a:ln>
@@ -6334,7 +6334,7 @@
                 <a:tabLst/>
                 <a:defRPr/>
               </a:pPr>
-              <a:t>1/31/2023</a:t>
+              <a:t>2/1/2023</a:t>
             </a:fld>
             <a:endParaRPr kumimoji="0" lang="en-US" sz="1200" b="0" i="0" u="none" strike="noStrike" kern="1200" cap="none" spc="0" normalizeH="0" baseline="0" noProof="0">
               <a:ln>
@@ -6607,7 +6607,7 @@
                 <a:tabLst/>
                 <a:defRPr/>
               </a:pPr>
-              <a:t>1/31/2023</a:t>
+              <a:t>2/1/2023</a:t>
             </a:fld>
             <a:endParaRPr kumimoji="0" lang="en-US" sz="1200" b="0" i="0" u="none" strike="noStrike" kern="1200" cap="none" spc="0" normalizeH="0" baseline="0" noProof="0">
               <a:ln>
@@ -7078,7 +7078,7 @@
                 <a:tabLst/>
                 <a:defRPr/>
               </a:pPr>
-              <a:t>1/31/2023</a:t>
+              <a:t>2/1/2023</a:t>
             </a:fld>
             <a:endParaRPr kumimoji="0" lang="en-US" sz="1200" b="0" i="0" u="none" strike="noStrike" kern="1200" cap="none" spc="0" normalizeH="0" baseline="0" noProof="0">
               <a:ln>
@@ -7479,7 +7479,7 @@
                 <a:tabLst/>
                 <a:defRPr/>
               </a:pPr>
-              <a:t>1/31/2023</a:t>
+              <a:t>2/1/2023</a:t>
             </a:fld>
             <a:endParaRPr kumimoji="0" lang="en-US" sz="1200" b="0" i="0" u="none" strike="noStrike" kern="1200" cap="none" spc="0" normalizeH="0" baseline="0" noProof="0">
               <a:ln>
@@ -8087,16 +8087,8 @@
               </a:lnSpc>
             </a:pPr>
             <a:r>
-              <a:rPr lang="en-US" sz="2400" dirty="0"/>
-              <a:t>Jonathan Bell, Adeel </a:t>
-            </a:r>
-            <a:r>
-              <a:rPr lang="en-US" sz="2400" dirty="0" err="1"/>
-              <a:t>Bhutta</a:t>
-            </a:r>
-            <a:r>
-              <a:rPr lang="en-US" sz="2400" dirty="0"/>
-              <a:t>, Mitch Wand</a:t>
+              <a:rPr lang="en-US" sz="2400"/>
+              <a:t>Adeel Bhutta, Jan Vitek and Mitch Wand</a:t>
             </a:r>
           </a:p>
           <a:p>
@@ -8106,8 +8098,12 @@
               </a:lnSpc>
             </a:pPr>
             <a:r>
+              <a:rPr lang="en-US" sz="2400"/>
+              <a:t>Khoury </a:t>
+            </a:r>
+            <a:r>
               <a:rPr lang="en-US" sz="2400" dirty="0"/>
-              <a:t>Khoury College of Computer Sciences</a:t>
+              <a:t>College of Computer Sciences</a:t>
             </a:r>
           </a:p>
           <a:p>
@@ -8279,7 +8275,7 @@
           </a:prstGeom>
           <a:extLst>
             <a:ext uri="{C572A759-6A51-4108-AA02-DFA0A04FC94B}">
-              <ma14:wrappingTextBoxFlag xmlns:ma14="http://schemas.microsoft.com/office/mac/drawingml/2011/main" xmlns:a14="http://schemas.microsoft.com/office/drawing/2010/main" xmlns:m="http://schemas.openxmlformats.org/officeDocument/2006/math" xmlns="" val="1"/>
+              <ma14:wrappingTextBoxFlag xmlns="" xmlns:m="http://schemas.openxmlformats.org/officeDocument/2006/math" xmlns:a14="http://schemas.microsoft.com/office/drawing/2010/main" xmlns:ma14="http://schemas.microsoft.com/office/mac/drawingml/2011/main" val="1"/>
             </a:ext>
           </a:extLst>
         </p:spPr>
@@ -8542,7 +8538,7 @@
               <a:effectLst/>
               <a:extLst>
                 <a:ext uri="{C572A759-6A51-4108-AA02-DFA0A04FC94B}">
-                  <ma14:wrappingTextBoxFlag xmlns:ma14="http://schemas.microsoft.com/office/mac/drawingml/2011/main" xmlns:a14="http://schemas.microsoft.com/office/drawing/2010/main" xmlns:m="http://schemas.openxmlformats.org/officeDocument/2006/math" xmlns="" val="1"/>
+                  <ma14:wrappingTextBoxFlag xmlns="" xmlns:m="http://schemas.openxmlformats.org/officeDocument/2006/math" xmlns:a14="http://schemas.microsoft.com/office/drawing/2010/main" xmlns:ma14="http://schemas.microsoft.com/office/mac/drawingml/2011/main" val="1"/>
                 </a:ext>
               </a:extLst>
             </p:spPr>
@@ -8658,7 +8654,7 @@
               <a:effectLst/>
               <a:extLst>
                 <a:ext uri="{C572A759-6A51-4108-AA02-DFA0A04FC94B}">
-                  <ma14:wrappingTextBoxFlag xmlns:ma14="http://schemas.microsoft.com/office/mac/drawingml/2011/main" xmlns:a14="http://schemas.microsoft.com/office/drawing/2010/main" xmlns:m="http://schemas.openxmlformats.org/officeDocument/2006/math" xmlns="" val="1"/>
+                  <ma14:wrappingTextBoxFlag xmlns="" xmlns:m="http://schemas.openxmlformats.org/officeDocument/2006/math" xmlns:a14="http://schemas.microsoft.com/office/drawing/2010/main" xmlns:ma14="http://schemas.microsoft.com/office/mac/drawingml/2011/main" val="1"/>
                 </a:ext>
               </a:extLst>
             </p:spPr>
@@ -8828,7 +8824,7 @@
               <a:effectLst/>
               <a:extLst>
                 <a:ext uri="{C572A759-6A51-4108-AA02-DFA0A04FC94B}">
-                  <ma14:wrappingTextBoxFlag xmlns:ma14="http://schemas.microsoft.com/office/mac/drawingml/2011/main" xmlns:a14="http://schemas.microsoft.com/office/drawing/2010/main" xmlns:m="http://schemas.openxmlformats.org/officeDocument/2006/math" xmlns="" val="1"/>
+                  <ma14:wrappingTextBoxFlag xmlns="" xmlns:m="http://schemas.openxmlformats.org/officeDocument/2006/math" xmlns:a14="http://schemas.microsoft.com/office/drawing/2010/main" xmlns:ma14="http://schemas.microsoft.com/office/mac/drawingml/2011/main" val="1"/>
                 </a:ext>
               </a:extLst>
             </p:spPr>
@@ -8944,7 +8940,7 @@
               <a:effectLst/>
               <a:extLst>
                 <a:ext uri="{C572A759-6A51-4108-AA02-DFA0A04FC94B}">
-                  <ma14:wrappingTextBoxFlag xmlns:ma14="http://schemas.microsoft.com/office/mac/drawingml/2011/main" xmlns:a14="http://schemas.microsoft.com/office/drawing/2010/main" xmlns:m="http://schemas.openxmlformats.org/officeDocument/2006/math" xmlns="" val="1"/>
+                  <ma14:wrappingTextBoxFlag xmlns="" xmlns:m="http://schemas.openxmlformats.org/officeDocument/2006/math" xmlns:a14="http://schemas.microsoft.com/office/drawing/2010/main" xmlns:ma14="http://schemas.microsoft.com/office/mac/drawingml/2011/main" val="1"/>
                 </a:ext>
               </a:extLst>
             </p:spPr>
@@ -9072,7 +9068,7 @@
               <a:effectLst/>
               <a:extLst>
                 <a:ext uri="{C572A759-6A51-4108-AA02-DFA0A04FC94B}">
-                  <ma14:wrappingTextBoxFlag xmlns:ma14="http://schemas.microsoft.com/office/mac/drawingml/2011/main" xmlns:a14="http://schemas.microsoft.com/office/drawing/2010/main" xmlns:m="http://schemas.openxmlformats.org/officeDocument/2006/math" xmlns="" val="1"/>
+                  <ma14:wrappingTextBoxFlag xmlns="" xmlns:m="http://schemas.openxmlformats.org/officeDocument/2006/math" xmlns:a14="http://schemas.microsoft.com/office/drawing/2010/main" xmlns:ma14="http://schemas.microsoft.com/office/mac/drawingml/2011/main" val="1"/>
                 </a:ext>
               </a:extLst>
             </p:spPr>
@@ -9121,7 +9117,7 @@
             </a:ln>
             <a:extLst>
               <a:ext uri="{C572A759-6A51-4108-AA02-DFA0A04FC94B}">
-                <ma14:wrappingTextBoxFlag xmlns:ma14="http://schemas.microsoft.com/office/mac/drawingml/2011/main" xmlns:a14="http://schemas.microsoft.com/office/drawing/2010/main" xmlns:m="http://schemas.openxmlformats.org/officeDocument/2006/math" xmlns="" val="1"/>
+                <ma14:wrappingTextBoxFlag xmlns="" xmlns:m="http://schemas.openxmlformats.org/officeDocument/2006/math" xmlns:a14="http://schemas.microsoft.com/office/drawing/2010/main" xmlns:ma14="http://schemas.microsoft.com/office/mac/drawingml/2011/main" val="1"/>
               </a:ext>
             </a:extLst>
           </p:spPr>
@@ -9169,7 +9165,7 @@
             </a:ln>
             <a:extLst>
               <a:ext uri="{C572A759-6A51-4108-AA02-DFA0A04FC94B}">
-                <ma14:wrappingTextBoxFlag xmlns:ma14="http://schemas.microsoft.com/office/mac/drawingml/2011/main" xmlns:a14="http://schemas.microsoft.com/office/drawing/2010/main" xmlns:m="http://schemas.openxmlformats.org/officeDocument/2006/math" xmlns="" val="1"/>
+                <ma14:wrappingTextBoxFlag xmlns="" xmlns:m="http://schemas.openxmlformats.org/officeDocument/2006/math" xmlns:a14="http://schemas.microsoft.com/office/drawing/2010/main" xmlns:ma14="http://schemas.microsoft.com/office/mac/drawingml/2011/main" val="1"/>
               </a:ext>
             </a:extLst>
           </p:spPr>
@@ -9217,7 +9213,7 @@
             </a:ln>
             <a:extLst>
               <a:ext uri="{C572A759-6A51-4108-AA02-DFA0A04FC94B}">
-                <ma14:wrappingTextBoxFlag xmlns:ma14="http://schemas.microsoft.com/office/mac/drawingml/2011/main" xmlns:a14="http://schemas.microsoft.com/office/drawing/2010/main" xmlns:m="http://schemas.openxmlformats.org/officeDocument/2006/math" xmlns="" val="1"/>
+                <ma14:wrappingTextBoxFlag xmlns="" xmlns:m="http://schemas.openxmlformats.org/officeDocument/2006/math" xmlns:a14="http://schemas.microsoft.com/office/drawing/2010/main" xmlns:ma14="http://schemas.microsoft.com/office/mac/drawingml/2011/main" val="1"/>
               </a:ext>
             </a:extLst>
           </p:spPr>
@@ -9265,7 +9261,7 @@
             </a:ln>
             <a:extLst>
               <a:ext uri="{C572A759-6A51-4108-AA02-DFA0A04FC94B}">
-                <ma14:wrappingTextBoxFlag xmlns:ma14="http://schemas.microsoft.com/office/mac/drawingml/2011/main" xmlns:a14="http://schemas.microsoft.com/office/drawing/2010/main" xmlns:m="http://schemas.openxmlformats.org/officeDocument/2006/math" xmlns="" val="1"/>
+                <ma14:wrappingTextBoxFlag xmlns="" xmlns:m="http://schemas.openxmlformats.org/officeDocument/2006/math" xmlns:a14="http://schemas.microsoft.com/office/drawing/2010/main" xmlns:ma14="http://schemas.microsoft.com/office/mac/drawingml/2011/main" val="1"/>
               </a:ext>
             </a:extLst>
           </p:spPr>
@@ -9316,7 +9312,7 @@
             </a:ln>
             <a:extLst>
               <a:ext uri="{C572A759-6A51-4108-AA02-DFA0A04FC94B}">
-                <ma14:wrappingTextBoxFlag xmlns:ma14="http://schemas.microsoft.com/office/mac/drawingml/2011/main" xmlns:a14="http://schemas.microsoft.com/office/drawing/2010/main" xmlns:m="http://schemas.openxmlformats.org/officeDocument/2006/math" xmlns="" val="1"/>
+                <ma14:wrappingTextBoxFlag xmlns="" xmlns:m="http://schemas.openxmlformats.org/officeDocument/2006/math" xmlns:a14="http://schemas.microsoft.com/office/drawing/2010/main" xmlns:ma14="http://schemas.microsoft.com/office/mac/drawingml/2011/main" val="1"/>
               </a:ext>
             </a:extLst>
           </p:spPr>
@@ -9381,7 +9377,7 @@
               <a:effectLst/>
               <a:extLst>
                 <a:ext uri="{C572A759-6A51-4108-AA02-DFA0A04FC94B}">
-                  <ma14:wrappingTextBoxFlag xmlns:ma14="http://schemas.microsoft.com/office/mac/drawingml/2011/main" xmlns:a14="http://schemas.microsoft.com/office/drawing/2010/main" xmlns:m="http://schemas.openxmlformats.org/officeDocument/2006/math" xmlns="" val="1"/>
+                  <ma14:wrappingTextBoxFlag xmlns="" xmlns:m="http://schemas.openxmlformats.org/officeDocument/2006/math" xmlns:a14="http://schemas.microsoft.com/office/drawing/2010/main" xmlns:ma14="http://schemas.microsoft.com/office/mac/drawingml/2011/main" val="1"/>
                 </a:ext>
               </a:extLst>
             </p:spPr>
@@ -9517,7 +9513,7 @@
               <a:effectLst/>
               <a:extLst>
                 <a:ext uri="{C572A759-6A51-4108-AA02-DFA0A04FC94B}">
-                  <ma14:wrappingTextBoxFlag xmlns:ma14="http://schemas.microsoft.com/office/mac/drawingml/2011/main" xmlns:a14="http://schemas.microsoft.com/office/drawing/2010/main" xmlns:m="http://schemas.openxmlformats.org/officeDocument/2006/math" xmlns="" val="1"/>
+                  <ma14:wrappingTextBoxFlag xmlns="" xmlns:m="http://schemas.openxmlformats.org/officeDocument/2006/math" xmlns:a14="http://schemas.microsoft.com/office/drawing/2010/main" xmlns:ma14="http://schemas.microsoft.com/office/mac/drawingml/2011/main" val="1"/>
                 </a:ext>
               </a:extLst>
             </p:spPr>
@@ -9583,7 +9579,7 @@
               <a:effectLst/>
               <a:extLst>
                 <a:ext uri="{C572A759-6A51-4108-AA02-DFA0A04FC94B}">
-                  <ma14:wrappingTextBoxFlag xmlns:ma14="http://schemas.microsoft.com/office/mac/drawingml/2011/main" xmlns:a14="http://schemas.microsoft.com/office/drawing/2010/main" xmlns:m="http://schemas.openxmlformats.org/officeDocument/2006/math" xmlns="" val="1"/>
+                  <ma14:wrappingTextBoxFlag xmlns="" xmlns:m="http://schemas.openxmlformats.org/officeDocument/2006/math" xmlns:a14="http://schemas.microsoft.com/office/drawing/2010/main" xmlns:ma14="http://schemas.microsoft.com/office/mac/drawingml/2011/main" val="1"/>
                 </a:ext>
               </a:extLst>
             </p:spPr>
@@ -9670,7 +9666,7 @@
             </a:ln>
             <a:extLst>
               <a:ext uri="{C572A759-6A51-4108-AA02-DFA0A04FC94B}">
-                <ma14:wrappingTextBoxFlag xmlns:ma14="http://schemas.microsoft.com/office/mac/drawingml/2011/main" xmlns:a14="http://schemas.microsoft.com/office/drawing/2010/main" xmlns:m="http://schemas.openxmlformats.org/officeDocument/2006/math" xmlns="" val="1"/>
+                <ma14:wrappingTextBoxFlag xmlns="" xmlns:m="http://schemas.openxmlformats.org/officeDocument/2006/math" xmlns:a14="http://schemas.microsoft.com/office/drawing/2010/main" xmlns:ma14="http://schemas.microsoft.com/office/mac/drawingml/2011/main" val="1"/>
               </a:ext>
             </a:extLst>
           </p:spPr>
@@ -9716,7 +9712,7 @@
         <p:fade/>
       </p:transition>
     </mc:Choice>
-    <mc:Fallback xmlns:a14="http://schemas.microsoft.com/office/drawing/2010/main" xmlns:m="http://schemas.openxmlformats.org/officeDocument/2006/math" xmlns="">
+    <mc:Fallback xmlns="" xmlns:m="http://schemas.openxmlformats.org/officeDocument/2006/math" xmlns:a14="http://schemas.microsoft.com/office/drawing/2010/main">
       <p:transition spd="slow">
         <p:fade/>
       </p:transition>
@@ -9946,7 +9942,7 @@
               <a:effectLst/>
               <a:extLst>
                 <a:ext uri="{C572A759-6A51-4108-AA02-DFA0A04FC94B}">
-                  <ma14:wrappingTextBoxFlag xmlns:ma14="http://schemas.microsoft.com/office/mac/drawingml/2011/main" xmlns:a14="http://schemas.microsoft.com/office/drawing/2010/main" xmlns:m="http://schemas.openxmlformats.org/officeDocument/2006/math" xmlns="" val="1"/>
+                  <ma14:wrappingTextBoxFlag xmlns="" xmlns:m="http://schemas.openxmlformats.org/officeDocument/2006/math" xmlns:a14="http://schemas.microsoft.com/office/drawing/2010/main" xmlns:ma14="http://schemas.microsoft.com/office/mac/drawingml/2011/main" val="1"/>
                 </a:ext>
               </a:extLst>
             </p:spPr>
@@ -10062,7 +10058,7 @@
               <a:effectLst/>
               <a:extLst>
                 <a:ext uri="{C572A759-6A51-4108-AA02-DFA0A04FC94B}">
-                  <ma14:wrappingTextBoxFlag xmlns:ma14="http://schemas.microsoft.com/office/mac/drawingml/2011/main" xmlns:a14="http://schemas.microsoft.com/office/drawing/2010/main" xmlns:m="http://schemas.openxmlformats.org/officeDocument/2006/math" xmlns="" val="1"/>
+                  <ma14:wrappingTextBoxFlag xmlns="" xmlns:m="http://schemas.openxmlformats.org/officeDocument/2006/math" xmlns:a14="http://schemas.microsoft.com/office/drawing/2010/main" xmlns:ma14="http://schemas.microsoft.com/office/mac/drawingml/2011/main" val="1"/>
                 </a:ext>
               </a:extLst>
             </p:spPr>
@@ -10232,7 +10228,7 @@
               <a:effectLst/>
               <a:extLst>
                 <a:ext uri="{C572A759-6A51-4108-AA02-DFA0A04FC94B}">
-                  <ma14:wrappingTextBoxFlag xmlns:ma14="http://schemas.microsoft.com/office/mac/drawingml/2011/main" xmlns:a14="http://schemas.microsoft.com/office/drawing/2010/main" xmlns:m="http://schemas.openxmlformats.org/officeDocument/2006/math" xmlns="" val="1"/>
+                  <ma14:wrappingTextBoxFlag xmlns="" xmlns:m="http://schemas.openxmlformats.org/officeDocument/2006/math" xmlns:a14="http://schemas.microsoft.com/office/drawing/2010/main" xmlns:ma14="http://schemas.microsoft.com/office/mac/drawingml/2011/main" val="1"/>
                 </a:ext>
               </a:extLst>
             </p:spPr>
@@ -10348,7 +10344,7 @@
               <a:effectLst/>
               <a:extLst>
                 <a:ext uri="{C572A759-6A51-4108-AA02-DFA0A04FC94B}">
-                  <ma14:wrappingTextBoxFlag xmlns:ma14="http://schemas.microsoft.com/office/mac/drawingml/2011/main" xmlns:a14="http://schemas.microsoft.com/office/drawing/2010/main" xmlns:m="http://schemas.openxmlformats.org/officeDocument/2006/math" xmlns="" val="1"/>
+                  <ma14:wrappingTextBoxFlag xmlns="" xmlns:m="http://schemas.openxmlformats.org/officeDocument/2006/math" xmlns:a14="http://schemas.microsoft.com/office/drawing/2010/main" xmlns:ma14="http://schemas.microsoft.com/office/mac/drawingml/2011/main" val="1"/>
                 </a:ext>
               </a:extLst>
             </p:spPr>
@@ -10476,7 +10472,7 @@
               <a:effectLst/>
               <a:extLst>
                 <a:ext uri="{C572A759-6A51-4108-AA02-DFA0A04FC94B}">
-                  <ma14:wrappingTextBoxFlag xmlns:ma14="http://schemas.microsoft.com/office/mac/drawingml/2011/main" xmlns:a14="http://schemas.microsoft.com/office/drawing/2010/main" xmlns:m="http://schemas.openxmlformats.org/officeDocument/2006/math" xmlns="" val="1"/>
+                  <ma14:wrappingTextBoxFlag xmlns="" xmlns:m="http://schemas.openxmlformats.org/officeDocument/2006/math" xmlns:a14="http://schemas.microsoft.com/office/drawing/2010/main" xmlns:ma14="http://schemas.microsoft.com/office/mac/drawingml/2011/main" val="1"/>
                 </a:ext>
               </a:extLst>
             </p:spPr>
@@ -10525,7 +10521,7 @@
             </a:ln>
             <a:extLst>
               <a:ext uri="{C572A759-6A51-4108-AA02-DFA0A04FC94B}">
-                <ma14:wrappingTextBoxFlag xmlns:ma14="http://schemas.microsoft.com/office/mac/drawingml/2011/main" xmlns:a14="http://schemas.microsoft.com/office/drawing/2010/main" xmlns:m="http://schemas.openxmlformats.org/officeDocument/2006/math" xmlns="" val="1"/>
+                <ma14:wrappingTextBoxFlag xmlns="" xmlns:m="http://schemas.openxmlformats.org/officeDocument/2006/math" xmlns:a14="http://schemas.microsoft.com/office/drawing/2010/main" xmlns:ma14="http://schemas.microsoft.com/office/mac/drawingml/2011/main" val="1"/>
               </a:ext>
             </a:extLst>
           </p:spPr>
@@ -10573,7 +10569,7 @@
             </a:ln>
             <a:extLst>
               <a:ext uri="{C572A759-6A51-4108-AA02-DFA0A04FC94B}">
-                <ma14:wrappingTextBoxFlag xmlns:ma14="http://schemas.microsoft.com/office/mac/drawingml/2011/main" xmlns:a14="http://schemas.microsoft.com/office/drawing/2010/main" xmlns:m="http://schemas.openxmlformats.org/officeDocument/2006/math" xmlns="" val="1"/>
+                <ma14:wrappingTextBoxFlag xmlns="" xmlns:m="http://schemas.openxmlformats.org/officeDocument/2006/math" xmlns:a14="http://schemas.microsoft.com/office/drawing/2010/main" xmlns:ma14="http://schemas.microsoft.com/office/mac/drawingml/2011/main" val="1"/>
               </a:ext>
             </a:extLst>
           </p:spPr>
@@ -10621,7 +10617,7 @@
             </a:ln>
             <a:extLst>
               <a:ext uri="{C572A759-6A51-4108-AA02-DFA0A04FC94B}">
-                <ma14:wrappingTextBoxFlag xmlns:ma14="http://schemas.microsoft.com/office/mac/drawingml/2011/main" xmlns:a14="http://schemas.microsoft.com/office/drawing/2010/main" xmlns:m="http://schemas.openxmlformats.org/officeDocument/2006/math" xmlns="" val="1"/>
+                <ma14:wrappingTextBoxFlag xmlns="" xmlns:m="http://schemas.openxmlformats.org/officeDocument/2006/math" xmlns:a14="http://schemas.microsoft.com/office/drawing/2010/main" xmlns:ma14="http://schemas.microsoft.com/office/mac/drawingml/2011/main" val="1"/>
               </a:ext>
             </a:extLst>
           </p:spPr>
@@ -10669,7 +10665,7 @@
             </a:ln>
             <a:extLst>
               <a:ext uri="{C572A759-6A51-4108-AA02-DFA0A04FC94B}">
-                <ma14:wrappingTextBoxFlag xmlns:ma14="http://schemas.microsoft.com/office/mac/drawingml/2011/main" xmlns:a14="http://schemas.microsoft.com/office/drawing/2010/main" xmlns:m="http://schemas.openxmlformats.org/officeDocument/2006/math" xmlns="" val="1"/>
+                <ma14:wrappingTextBoxFlag xmlns="" xmlns:m="http://schemas.openxmlformats.org/officeDocument/2006/math" xmlns:a14="http://schemas.microsoft.com/office/drawing/2010/main" xmlns:ma14="http://schemas.microsoft.com/office/mac/drawingml/2011/main" val="1"/>
               </a:ext>
             </a:extLst>
           </p:spPr>
@@ -10720,7 +10716,7 @@
             </a:ln>
             <a:extLst>
               <a:ext uri="{C572A759-6A51-4108-AA02-DFA0A04FC94B}">
-                <ma14:wrappingTextBoxFlag xmlns:ma14="http://schemas.microsoft.com/office/mac/drawingml/2011/main" xmlns:a14="http://schemas.microsoft.com/office/drawing/2010/main" xmlns:m="http://schemas.openxmlformats.org/officeDocument/2006/math" xmlns="" val="1"/>
+                <ma14:wrappingTextBoxFlag xmlns="" xmlns:m="http://schemas.openxmlformats.org/officeDocument/2006/math" xmlns:a14="http://schemas.microsoft.com/office/drawing/2010/main" xmlns:ma14="http://schemas.microsoft.com/office/mac/drawingml/2011/main" val="1"/>
               </a:ext>
             </a:extLst>
           </p:spPr>
@@ -10785,7 +10781,7 @@
               <a:effectLst/>
               <a:extLst>
                 <a:ext uri="{C572A759-6A51-4108-AA02-DFA0A04FC94B}">
-                  <ma14:wrappingTextBoxFlag xmlns:ma14="http://schemas.microsoft.com/office/mac/drawingml/2011/main" xmlns:a14="http://schemas.microsoft.com/office/drawing/2010/main" xmlns:m="http://schemas.openxmlformats.org/officeDocument/2006/math" xmlns="" val="1"/>
+                  <ma14:wrappingTextBoxFlag xmlns="" xmlns:m="http://schemas.openxmlformats.org/officeDocument/2006/math" xmlns:a14="http://schemas.microsoft.com/office/drawing/2010/main" xmlns:ma14="http://schemas.microsoft.com/office/mac/drawingml/2011/main" val="1"/>
                 </a:ext>
               </a:extLst>
             </p:spPr>
@@ -10921,7 +10917,7 @@
               <a:effectLst/>
               <a:extLst>
                 <a:ext uri="{C572A759-6A51-4108-AA02-DFA0A04FC94B}">
-                  <ma14:wrappingTextBoxFlag xmlns:ma14="http://schemas.microsoft.com/office/mac/drawingml/2011/main" xmlns:a14="http://schemas.microsoft.com/office/drawing/2010/main" xmlns:m="http://schemas.openxmlformats.org/officeDocument/2006/math" xmlns="" val="1"/>
+                  <ma14:wrappingTextBoxFlag xmlns="" xmlns:m="http://schemas.openxmlformats.org/officeDocument/2006/math" xmlns:a14="http://schemas.microsoft.com/office/drawing/2010/main" xmlns:ma14="http://schemas.microsoft.com/office/mac/drawingml/2011/main" val="1"/>
                 </a:ext>
               </a:extLst>
             </p:spPr>
@@ -10987,7 +10983,7 @@
               <a:effectLst/>
               <a:extLst>
                 <a:ext uri="{C572A759-6A51-4108-AA02-DFA0A04FC94B}">
-                  <ma14:wrappingTextBoxFlag xmlns:ma14="http://schemas.microsoft.com/office/mac/drawingml/2011/main" xmlns:a14="http://schemas.microsoft.com/office/drawing/2010/main" xmlns:m="http://schemas.openxmlformats.org/officeDocument/2006/math" xmlns="" val="1"/>
+                  <ma14:wrappingTextBoxFlag xmlns="" xmlns:m="http://schemas.openxmlformats.org/officeDocument/2006/math" xmlns:a14="http://schemas.microsoft.com/office/drawing/2010/main" xmlns:ma14="http://schemas.microsoft.com/office/mac/drawingml/2011/main" val="1"/>
                 </a:ext>
               </a:extLst>
             </p:spPr>
@@ -11123,7 +11119,7 @@
               <a:effectLst/>
               <a:extLst>
                 <a:ext uri="{C572A759-6A51-4108-AA02-DFA0A04FC94B}">
-                  <ma14:wrappingTextBoxFlag xmlns:ma14="http://schemas.microsoft.com/office/mac/drawingml/2011/main" xmlns:a14="http://schemas.microsoft.com/office/drawing/2010/main" xmlns:m="http://schemas.openxmlformats.org/officeDocument/2006/math" xmlns="" val="1"/>
+                  <ma14:wrappingTextBoxFlag xmlns="" xmlns:m="http://schemas.openxmlformats.org/officeDocument/2006/math" xmlns:a14="http://schemas.microsoft.com/office/drawing/2010/main" xmlns:ma14="http://schemas.microsoft.com/office/mac/drawingml/2011/main" val="1"/>
                 </a:ext>
               </a:extLst>
             </p:spPr>
@@ -11224,7 +11220,7 @@
               <a:effectLst/>
               <a:extLst>
                 <a:ext uri="{C572A759-6A51-4108-AA02-DFA0A04FC94B}">
-                  <ma14:wrappingTextBoxFlag xmlns:ma14="http://schemas.microsoft.com/office/mac/drawingml/2011/main" xmlns:a14="http://schemas.microsoft.com/office/drawing/2010/main" xmlns:m="http://schemas.openxmlformats.org/officeDocument/2006/math" xmlns="" val="1"/>
+                  <ma14:wrappingTextBoxFlag xmlns="" xmlns:m="http://schemas.openxmlformats.org/officeDocument/2006/math" xmlns:a14="http://schemas.microsoft.com/office/drawing/2010/main" xmlns:ma14="http://schemas.microsoft.com/office/mac/drawingml/2011/main" val="1"/>
                 </a:ext>
               </a:extLst>
             </p:spPr>
@@ -11276,7 +11272,7 @@
             </a:ln>
             <a:extLst>
               <a:ext uri="{C572A759-6A51-4108-AA02-DFA0A04FC94B}">
-                <ma14:wrappingTextBoxFlag xmlns:ma14="http://schemas.microsoft.com/office/mac/drawingml/2011/main" xmlns:a14="http://schemas.microsoft.com/office/drawing/2010/main" xmlns:m="http://schemas.openxmlformats.org/officeDocument/2006/math" xmlns="" val="1"/>
+                <ma14:wrappingTextBoxFlag xmlns="" xmlns:m="http://schemas.openxmlformats.org/officeDocument/2006/math" xmlns:a14="http://schemas.microsoft.com/office/drawing/2010/main" xmlns:ma14="http://schemas.microsoft.com/office/mac/drawingml/2011/main" val="1"/>
               </a:ext>
             </a:extLst>
           </p:spPr>
@@ -11504,7 +11500,7 @@
             <a:effectLst/>
             <a:extLst>
               <a:ext uri="{C572A759-6A51-4108-AA02-DFA0A04FC94B}">
-                <ma14:wrappingTextBoxFlag xmlns:ma14="http://schemas.microsoft.com/office/mac/drawingml/2011/main" xmlns:a14="http://schemas.microsoft.com/office/drawing/2010/main" xmlns:m="http://schemas.openxmlformats.org/officeDocument/2006/math" xmlns="" val="1"/>
+                <ma14:wrappingTextBoxFlag xmlns="" xmlns:m="http://schemas.openxmlformats.org/officeDocument/2006/math" xmlns:a14="http://schemas.microsoft.com/office/drawing/2010/main" xmlns:ma14="http://schemas.microsoft.com/office/mac/drawingml/2011/main" val="1"/>
               </a:ext>
             </a:extLst>
           </p:spPr>
@@ -11620,7 +11616,7 @@
             <a:effectLst/>
             <a:extLst>
               <a:ext uri="{C572A759-6A51-4108-AA02-DFA0A04FC94B}">
-                <ma14:wrappingTextBoxFlag xmlns:ma14="http://schemas.microsoft.com/office/mac/drawingml/2011/main" xmlns:a14="http://schemas.microsoft.com/office/drawing/2010/main" xmlns:m="http://schemas.openxmlformats.org/officeDocument/2006/math" xmlns="" val="1"/>
+                <ma14:wrappingTextBoxFlag xmlns="" xmlns:m="http://schemas.openxmlformats.org/officeDocument/2006/math" xmlns:a14="http://schemas.microsoft.com/office/drawing/2010/main" xmlns:ma14="http://schemas.microsoft.com/office/mac/drawingml/2011/main" val="1"/>
               </a:ext>
             </a:extLst>
           </p:spPr>
@@ -11790,7 +11786,7 @@
             <a:effectLst/>
             <a:extLst>
               <a:ext uri="{C572A759-6A51-4108-AA02-DFA0A04FC94B}">
-                <ma14:wrappingTextBoxFlag xmlns:ma14="http://schemas.microsoft.com/office/mac/drawingml/2011/main" xmlns:a14="http://schemas.microsoft.com/office/drawing/2010/main" xmlns:m="http://schemas.openxmlformats.org/officeDocument/2006/math" xmlns="" val="1"/>
+                <ma14:wrappingTextBoxFlag xmlns="" xmlns:m="http://schemas.openxmlformats.org/officeDocument/2006/math" xmlns:a14="http://schemas.microsoft.com/office/drawing/2010/main" xmlns:ma14="http://schemas.microsoft.com/office/mac/drawingml/2011/main" val="1"/>
               </a:ext>
             </a:extLst>
           </p:spPr>
@@ -11906,7 +11902,7 @@
             <a:effectLst/>
             <a:extLst>
               <a:ext uri="{C572A759-6A51-4108-AA02-DFA0A04FC94B}">
-                <ma14:wrappingTextBoxFlag xmlns:ma14="http://schemas.microsoft.com/office/mac/drawingml/2011/main" xmlns:a14="http://schemas.microsoft.com/office/drawing/2010/main" xmlns:m="http://schemas.openxmlformats.org/officeDocument/2006/math" xmlns="" val="1"/>
+                <ma14:wrappingTextBoxFlag xmlns="" xmlns:m="http://schemas.openxmlformats.org/officeDocument/2006/math" xmlns:a14="http://schemas.microsoft.com/office/drawing/2010/main" xmlns:ma14="http://schemas.microsoft.com/office/mac/drawingml/2011/main" val="1"/>
               </a:ext>
             </a:extLst>
           </p:spPr>
@@ -12034,7 +12030,7 @@
             <a:effectLst/>
             <a:extLst>
               <a:ext uri="{C572A759-6A51-4108-AA02-DFA0A04FC94B}">
-                <ma14:wrappingTextBoxFlag xmlns:ma14="http://schemas.microsoft.com/office/mac/drawingml/2011/main" xmlns:a14="http://schemas.microsoft.com/office/drawing/2010/main" xmlns:m="http://schemas.openxmlformats.org/officeDocument/2006/math" xmlns="" val="1"/>
+                <ma14:wrappingTextBoxFlag xmlns="" xmlns:m="http://schemas.openxmlformats.org/officeDocument/2006/math" xmlns:a14="http://schemas.microsoft.com/office/drawing/2010/main" xmlns:ma14="http://schemas.microsoft.com/office/mac/drawingml/2011/main" val="1"/>
               </a:ext>
             </a:extLst>
           </p:spPr>
@@ -12083,7 +12079,7 @@
           </a:ln>
           <a:extLst>
             <a:ext uri="{C572A759-6A51-4108-AA02-DFA0A04FC94B}">
-              <ma14:wrappingTextBoxFlag xmlns:ma14="http://schemas.microsoft.com/office/mac/drawingml/2011/main" xmlns:a14="http://schemas.microsoft.com/office/drawing/2010/main" xmlns:m="http://schemas.openxmlformats.org/officeDocument/2006/math" xmlns="" val="1"/>
+              <ma14:wrappingTextBoxFlag xmlns="" xmlns:m="http://schemas.openxmlformats.org/officeDocument/2006/math" xmlns:a14="http://schemas.microsoft.com/office/drawing/2010/main" xmlns:ma14="http://schemas.microsoft.com/office/mac/drawingml/2011/main" val="1"/>
             </a:ext>
           </a:extLst>
         </p:spPr>
@@ -12131,7 +12127,7 @@
           </a:ln>
           <a:extLst>
             <a:ext uri="{C572A759-6A51-4108-AA02-DFA0A04FC94B}">
-              <ma14:wrappingTextBoxFlag xmlns:ma14="http://schemas.microsoft.com/office/mac/drawingml/2011/main" xmlns:a14="http://schemas.microsoft.com/office/drawing/2010/main" xmlns:m="http://schemas.openxmlformats.org/officeDocument/2006/math" xmlns="" val="1"/>
+              <ma14:wrappingTextBoxFlag xmlns="" xmlns:m="http://schemas.openxmlformats.org/officeDocument/2006/math" xmlns:a14="http://schemas.microsoft.com/office/drawing/2010/main" xmlns:ma14="http://schemas.microsoft.com/office/mac/drawingml/2011/main" val="1"/>
             </a:ext>
           </a:extLst>
         </p:spPr>
@@ -12179,7 +12175,7 @@
           </a:ln>
           <a:extLst>
             <a:ext uri="{C572A759-6A51-4108-AA02-DFA0A04FC94B}">
-              <ma14:wrappingTextBoxFlag xmlns:ma14="http://schemas.microsoft.com/office/mac/drawingml/2011/main" xmlns:a14="http://schemas.microsoft.com/office/drawing/2010/main" xmlns:m="http://schemas.openxmlformats.org/officeDocument/2006/math" xmlns="" val="1"/>
+              <ma14:wrappingTextBoxFlag xmlns="" xmlns:m="http://schemas.openxmlformats.org/officeDocument/2006/math" xmlns:a14="http://schemas.microsoft.com/office/drawing/2010/main" xmlns:ma14="http://schemas.microsoft.com/office/mac/drawingml/2011/main" val="1"/>
             </a:ext>
           </a:extLst>
         </p:spPr>
@@ -12227,7 +12223,7 @@
           </a:ln>
           <a:extLst>
             <a:ext uri="{C572A759-6A51-4108-AA02-DFA0A04FC94B}">
-              <ma14:wrappingTextBoxFlag xmlns:ma14="http://schemas.microsoft.com/office/mac/drawingml/2011/main" xmlns:a14="http://schemas.microsoft.com/office/drawing/2010/main" xmlns:m="http://schemas.openxmlformats.org/officeDocument/2006/math" xmlns="" val="1"/>
+              <ma14:wrappingTextBoxFlag xmlns="" xmlns:m="http://schemas.openxmlformats.org/officeDocument/2006/math" xmlns:a14="http://schemas.microsoft.com/office/drawing/2010/main" xmlns:ma14="http://schemas.microsoft.com/office/mac/drawingml/2011/main" val="1"/>
             </a:ext>
           </a:extLst>
         </p:spPr>
@@ -12278,7 +12274,7 @@
           </a:ln>
           <a:extLst>
             <a:ext uri="{C572A759-6A51-4108-AA02-DFA0A04FC94B}">
-              <ma14:wrappingTextBoxFlag xmlns:ma14="http://schemas.microsoft.com/office/mac/drawingml/2011/main" xmlns:a14="http://schemas.microsoft.com/office/drawing/2010/main" xmlns:m="http://schemas.openxmlformats.org/officeDocument/2006/math" xmlns="" val="1"/>
+              <ma14:wrappingTextBoxFlag xmlns="" xmlns:m="http://schemas.openxmlformats.org/officeDocument/2006/math" xmlns:a14="http://schemas.microsoft.com/office/drawing/2010/main" xmlns:ma14="http://schemas.microsoft.com/office/mac/drawingml/2011/main" val="1"/>
             </a:ext>
           </a:extLst>
         </p:spPr>
@@ -12343,7 +12339,7 @@
             <a:effectLst/>
             <a:extLst>
               <a:ext uri="{C572A759-6A51-4108-AA02-DFA0A04FC94B}">
-                <ma14:wrappingTextBoxFlag xmlns:ma14="http://schemas.microsoft.com/office/mac/drawingml/2011/main" xmlns:a14="http://schemas.microsoft.com/office/drawing/2010/main" xmlns:m="http://schemas.openxmlformats.org/officeDocument/2006/math" xmlns="" val="1"/>
+                <ma14:wrappingTextBoxFlag xmlns="" xmlns:m="http://schemas.openxmlformats.org/officeDocument/2006/math" xmlns:a14="http://schemas.microsoft.com/office/drawing/2010/main" xmlns:ma14="http://schemas.microsoft.com/office/mac/drawingml/2011/main" val="1"/>
               </a:ext>
             </a:extLst>
           </p:spPr>
@@ -12444,7 +12440,7 @@
             <a:effectLst/>
             <a:extLst>
               <a:ext uri="{C572A759-6A51-4108-AA02-DFA0A04FC94B}">
-                <ma14:wrappingTextBoxFlag xmlns:ma14="http://schemas.microsoft.com/office/mac/drawingml/2011/main" xmlns:a14="http://schemas.microsoft.com/office/drawing/2010/main" xmlns:m="http://schemas.openxmlformats.org/officeDocument/2006/math" xmlns="" val="1"/>
+                <ma14:wrappingTextBoxFlag xmlns="" xmlns:m="http://schemas.openxmlformats.org/officeDocument/2006/math" xmlns:a14="http://schemas.microsoft.com/office/drawing/2010/main" xmlns:ma14="http://schemas.microsoft.com/office/mac/drawingml/2011/main" val="1"/>
               </a:ext>
             </a:extLst>
           </p:spPr>
@@ -12580,7 +12576,7 @@
             <a:effectLst/>
             <a:extLst>
               <a:ext uri="{C572A759-6A51-4108-AA02-DFA0A04FC94B}">
-                <ma14:wrappingTextBoxFlag xmlns:ma14="http://schemas.microsoft.com/office/mac/drawingml/2011/main" xmlns:a14="http://schemas.microsoft.com/office/drawing/2010/main" xmlns:m="http://schemas.openxmlformats.org/officeDocument/2006/math" xmlns="" val="1"/>
+                <ma14:wrappingTextBoxFlag xmlns="" xmlns:m="http://schemas.openxmlformats.org/officeDocument/2006/math" xmlns:a14="http://schemas.microsoft.com/office/drawing/2010/main" xmlns:ma14="http://schemas.microsoft.com/office/mac/drawingml/2011/main" val="1"/>
               </a:ext>
             </a:extLst>
           </p:spPr>
@@ -12867,7 +12863,7 @@
             <a:effectLst/>
             <a:extLst>
               <a:ext uri="{C572A759-6A51-4108-AA02-DFA0A04FC94B}">
-                <ma14:wrappingTextBoxFlag xmlns:ma14="http://schemas.microsoft.com/office/mac/drawingml/2011/main" xmlns:a14="http://schemas.microsoft.com/office/drawing/2010/main" xmlns:m="http://schemas.openxmlformats.org/officeDocument/2006/math" xmlns="" val="1"/>
+                <ma14:wrappingTextBoxFlag xmlns="" xmlns:m="http://schemas.openxmlformats.org/officeDocument/2006/math" xmlns:a14="http://schemas.microsoft.com/office/drawing/2010/main" xmlns:ma14="http://schemas.microsoft.com/office/mac/drawingml/2011/main" val="1"/>
               </a:ext>
             </a:extLst>
           </p:spPr>
@@ -12943,7 +12939,7 @@
           </a:ln>
           <a:extLst>
             <a:ext uri="{C572A759-6A51-4108-AA02-DFA0A04FC94B}">
-              <ma14:wrappingTextBoxFlag xmlns:ma14="http://schemas.microsoft.com/office/mac/drawingml/2011/main" xmlns:a14="http://schemas.microsoft.com/office/drawing/2010/main" xmlns:m="http://schemas.openxmlformats.org/officeDocument/2006/math" xmlns="" val="1"/>
+              <ma14:wrappingTextBoxFlag xmlns="" xmlns:m="http://schemas.openxmlformats.org/officeDocument/2006/math" xmlns:a14="http://schemas.microsoft.com/office/drawing/2010/main" xmlns:ma14="http://schemas.microsoft.com/office/mac/drawingml/2011/main" val="1"/>
             </a:ext>
           </a:extLst>
         </p:spPr>
@@ -13612,7 +13608,7 @@
             </a:ln>
             <a:extLst>
               <a:ext uri="{C572A759-6A51-4108-AA02-DFA0A04FC94B}">
-                <ma14:wrappingTextBoxFlag xmlns:ma14="http://schemas.microsoft.com/office/mac/drawingml/2011/main" xmlns:a14="http://schemas.microsoft.com/office/drawing/2010/main" xmlns:m="http://schemas.openxmlformats.org/officeDocument/2006/math" xmlns="" val="1"/>
+                <ma14:wrappingTextBoxFlag xmlns="" xmlns:m="http://schemas.openxmlformats.org/officeDocument/2006/math" xmlns:a14="http://schemas.microsoft.com/office/drawing/2010/main" xmlns:ma14="http://schemas.microsoft.com/office/mac/drawingml/2011/main" val="1"/>
               </a:ext>
             </a:extLst>
           </p:spPr>
@@ -13660,7 +13656,7 @@
             </a:ln>
             <a:extLst>
               <a:ext uri="{C572A759-6A51-4108-AA02-DFA0A04FC94B}">
-                <ma14:wrappingTextBoxFlag xmlns:ma14="http://schemas.microsoft.com/office/mac/drawingml/2011/main" xmlns:a14="http://schemas.microsoft.com/office/drawing/2010/main" xmlns:m="http://schemas.openxmlformats.org/officeDocument/2006/math" xmlns="" val="1"/>
+                <ma14:wrappingTextBoxFlag xmlns="" xmlns:m="http://schemas.openxmlformats.org/officeDocument/2006/math" xmlns:a14="http://schemas.microsoft.com/office/drawing/2010/main" xmlns:ma14="http://schemas.microsoft.com/office/mac/drawingml/2011/main" val="1"/>
               </a:ext>
             </a:extLst>
           </p:spPr>
@@ -13708,7 +13704,7 @@
             </a:ln>
             <a:extLst>
               <a:ext uri="{C572A759-6A51-4108-AA02-DFA0A04FC94B}">
-                <ma14:wrappingTextBoxFlag xmlns:ma14="http://schemas.microsoft.com/office/mac/drawingml/2011/main" xmlns:a14="http://schemas.microsoft.com/office/drawing/2010/main" xmlns:m="http://schemas.openxmlformats.org/officeDocument/2006/math" xmlns="" val="1"/>
+                <ma14:wrappingTextBoxFlag xmlns="" xmlns:m="http://schemas.openxmlformats.org/officeDocument/2006/math" xmlns:a14="http://schemas.microsoft.com/office/drawing/2010/main" xmlns:ma14="http://schemas.microsoft.com/office/mac/drawingml/2011/main" val="1"/>
               </a:ext>
             </a:extLst>
           </p:spPr>
@@ -13756,7 +13752,7 @@
             </a:ln>
             <a:extLst>
               <a:ext uri="{C572A759-6A51-4108-AA02-DFA0A04FC94B}">
-                <ma14:wrappingTextBoxFlag xmlns:ma14="http://schemas.microsoft.com/office/mac/drawingml/2011/main" xmlns:a14="http://schemas.microsoft.com/office/drawing/2010/main" xmlns:m="http://schemas.openxmlformats.org/officeDocument/2006/math" xmlns="" val="1"/>
+                <ma14:wrappingTextBoxFlag xmlns="" xmlns:m="http://schemas.openxmlformats.org/officeDocument/2006/math" xmlns:a14="http://schemas.microsoft.com/office/drawing/2010/main" xmlns:ma14="http://schemas.microsoft.com/office/mac/drawingml/2011/main" val="1"/>
               </a:ext>
             </a:extLst>
           </p:spPr>
@@ -13807,7 +13803,7 @@
             </a:ln>
             <a:extLst>
               <a:ext uri="{C572A759-6A51-4108-AA02-DFA0A04FC94B}">
-                <ma14:wrappingTextBoxFlag xmlns:ma14="http://schemas.microsoft.com/office/mac/drawingml/2011/main" xmlns:a14="http://schemas.microsoft.com/office/drawing/2010/main" xmlns:m="http://schemas.openxmlformats.org/officeDocument/2006/math" xmlns="" val="1"/>
+                <ma14:wrappingTextBoxFlag xmlns="" xmlns:m="http://schemas.openxmlformats.org/officeDocument/2006/math" xmlns:a14="http://schemas.microsoft.com/office/drawing/2010/main" xmlns:ma14="http://schemas.microsoft.com/office/mac/drawingml/2011/main" val="1"/>
               </a:ext>
             </a:extLst>
           </p:spPr>
@@ -13969,7 +13965,7 @@
                 <a:effectLst/>
                 <a:extLst>
                   <a:ext uri="{C572A759-6A51-4108-AA02-DFA0A04FC94B}">
-                    <ma14:wrappingTextBoxFlag xmlns:ma14="http://schemas.microsoft.com/office/mac/drawingml/2011/main" xmlns:a14="http://schemas.microsoft.com/office/drawing/2010/main" xmlns:m="http://schemas.openxmlformats.org/officeDocument/2006/math" xmlns="" val="1"/>
+                    <ma14:wrappingTextBoxFlag xmlns="" xmlns:m="http://schemas.openxmlformats.org/officeDocument/2006/math" xmlns:a14="http://schemas.microsoft.com/office/drawing/2010/main" xmlns:ma14="http://schemas.microsoft.com/office/mac/drawingml/2011/main" val="1"/>
                   </a:ext>
                 </a:extLst>
               </p:spPr>
@@ -14085,7 +14081,7 @@
                 <a:effectLst/>
                 <a:extLst>
                   <a:ext uri="{C572A759-6A51-4108-AA02-DFA0A04FC94B}">
-                    <ma14:wrappingTextBoxFlag xmlns:ma14="http://schemas.microsoft.com/office/mac/drawingml/2011/main" xmlns:a14="http://schemas.microsoft.com/office/drawing/2010/main" xmlns:m="http://schemas.openxmlformats.org/officeDocument/2006/math" xmlns="" val="1"/>
+                    <ma14:wrappingTextBoxFlag xmlns="" xmlns:m="http://schemas.openxmlformats.org/officeDocument/2006/math" xmlns:a14="http://schemas.microsoft.com/office/drawing/2010/main" xmlns:ma14="http://schemas.microsoft.com/office/mac/drawingml/2011/main" val="1"/>
                   </a:ext>
                 </a:extLst>
               </p:spPr>
@@ -14255,7 +14251,7 @@
                 <a:effectLst/>
                 <a:extLst>
                   <a:ext uri="{C572A759-6A51-4108-AA02-DFA0A04FC94B}">
-                    <ma14:wrappingTextBoxFlag xmlns:ma14="http://schemas.microsoft.com/office/mac/drawingml/2011/main" xmlns:a14="http://schemas.microsoft.com/office/drawing/2010/main" xmlns:m="http://schemas.openxmlformats.org/officeDocument/2006/math" xmlns="" val="1"/>
+                    <ma14:wrappingTextBoxFlag xmlns="" xmlns:m="http://schemas.openxmlformats.org/officeDocument/2006/math" xmlns:a14="http://schemas.microsoft.com/office/drawing/2010/main" xmlns:ma14="http://schemas.microsoft.com/office/mac/drawingml/2011/main" val="1"/>
                   </a:ext>
                 </a:extLst>
               </p:spPr>
@@ -14371,7 +14367,7 @@
                 <a:effectLst/>
                 <a:extLst>
                   <a:ext uri="{C572A759-6A51-4108-AA02-DFA0A04FC94B}">
-                    <ma14:wrappingTextBoxFlag xmlns:ma14="http://schemas.microsoft.com/office/mac/drawingml/2011/main" xmlns:a14="http://schemas.microsoft.com/office/drawing/2010/main" xmlns:m="http://schemas.openxmlformats.org/officeDocument/2006/math" xmlns="" val="1"/>
+                    <ma14:wrappingTextBoxFlag xmlns="" xmlns:m="http://schemas.openxmlformats.org/officeDocument/2006/math" xmlns:a14="http://schemas.microsoft.com/office/drawing/2010/main" xmlns:ma14="http://schemas.microsoft.com/office/mac/drawingml/2011/main" val="1"/>
                   </a:ext>
                 </a:extLst>
               </p:spPr>
@@ -14499,7 +14495,7 @@
                 <a:effectLst/>
                 <a:extLst>
                   <a:ext uri="{C572A759-6A51-4108-AA02-DFA0A04FC94B}">
-                    <ma14:wrappingTextBoxFlag xmlns:ma14="http://schemas.microsoft.com/office/mac/drawingml/2011/main" xmlns:a14="http://schemas.microsoft.com/office/drawing/2010/main" xmlns:m="http://schemas.openxmlformats.org/officeDocument/2006/math" xmlns="" val="1"/>
+                    <ma14:wrappingTextBoxFlag xmlns="" xmlns:m="http://schemas.openxmlformats.org/officeDocument/2006/math" xmlns:a14="http://schemas.microsoft.com/office/drawing/2010/main" xmlns:ma14="http://schemas.microsoft.com/office/mac/drawingml/2011/main" val="1"/>
                   </a:ext>
                 </a:extLst>
               </p:spPr>
@@ -14565,7 +14561,7 @@
                 <a:effectLst/>
                 <a:extLst>
                   <a:ext uri="{C572A759-6A51-4108-AA02-DFA0A04FC94B}">
-                    <ma14:wrappingTextBoxFlag xmlns:ma14="http://schemas.microsoft.com/office/mac/drawingml/2011/main" xmlns:a14="http://schemas.microsoft.com/office/drawing/2010/main" xmlns:m="http://schemas.openxmlformats.org/officeDocument/2006/math" xmlns="" val="1"/>
+                    <ma14:wrappingTextBoxFlag xmlns="" xmlns:m="http://schemas.openxmlformats.org/officeDocument/2006/math" xmlns:a14="http://schemas.microsoft.com/office/drawing/2010/main" xmlns:ma14="http://schemas.microsoft.com/office/mac/drawingml/2011/main" val="1"/>
                   </a:ext>
                 </a:extLst>
               </p:spPr>
@@ -14679,7 +14675,7 @@
               </a:ln>
               <a:extLst>
                 <a:ext uri="{C572A759-6A51-4108-AA02-DFA0A04FC94B}">
-                  <ma14:wrappingTextBoxFlag xmlns:ma14="http://schemas.microsoft.com/office/mac/drawingml/2011/main" xmlns:a14="http://schemas.microsoft.com/office/drawing/2010/main" xmlns:m="http://schemas.openxmlformats.org/officeDocument/2006/math" xmlns="" val="1"/>
+                  <ma14:wrappingTextBoxFlag xmlns="" xmlns:m="http://schemas.openxmlformats.org/officeDocument/2006/math" xmlns:a14="http://schemas.microsoft.com/office/drawing/2010/main" xmlns:ma14="http://schemas.microsoft.com/office/mac/drawingml/2011/main" val="1"/>
                 </a:ext>
               </a:extLst>
             </p:spPr>
@@ -14754,7 +14750,7 @@
               </a:ln>
               <a:extLst>
                 <a:ext uri="{C572A759-6A51-4108-AA02-DFA0A04FC94B}">
-                  <ma14:wrappingTextBoxFlag xmlns:ma14="http://schemas.microsoft.com/office/mac/drawingml/2011/main" xmlns:a14="http://schemas.microsoft.com/office/drawing/2010/main" xmlns:m="http://schemas.openxmlformats.org/officeDocument/2006/math" xmlns="" val="1"/>
+                  <ma14:wrappingTextBoxFlag xmlns="" xmlns:m="http://schemas.openxmlformats.org/officeDocument/2006/math" xmlns:a14="http://schemas.microsoft.com/office/drawing/2010/main" xmlns:ma14="http://schemas.microsoft.com/office/mac/drawingml/2011/main" val="1"/>
                 </a:ext>
               </a:extLst>
             </p:spPr>
@@ -14854,7 +14850,7 @@
                 <a:effectLst/>
                 <a:extLst>
                   <a:ext uri="{C572A759-6A51-4108-AA02-DFA0A04FC94B}">
-                    <ma14:wrappingTextBoxFlag xmlns:ma14="http://schemas.microsoft.com/office/mac/drawingml/2011/main" xmlns:a14="http://schemas.microsoft.com/office/drawing/2010/main" xmlns:m="http://schemas.openxmlformats.org/officeDocument/2006/math" xmlns="" val="1"/>
+                    <ma14:wrappingTextBoxFlag xmlns="" xmlns:m="http://schemas.openxmlformats.org/officeDocument/2006/math" xmlns:a14="http://schemas.microsoft.com/office/drawing/2010/main" xmlns:ma14="http://schemas.microsoft.com/office/mac/drawingml/2011/main" val="1"/>
                   </a:ext>
                 </a:extLst>
               </p:spPr>
@@ -14920,7 +14916,7 @@
                 <a:effectLst/>
                 <a:extLst>
                   <a:ext uri="{C572A759-6A51-4108-AA02-DFA0A04FC94B}">
-                    <ma14:wrappingTextBoxFlag xmlns:ma14="http://schemas.microsoft.com/office/mac/drawingml/2011/main" xmlns:a14="http://schemas.microsoft.com/office/drawing/2010/main" xmlns:m="http://schemas.openxmlformats.org/officeDocument/2006/math" xmlns="" val="1"/>
+                    <ma14:wrappingTextBoxFlag xmlns="" xmlns:m="http://schemas.openxmlformats.org/officeDocument/2006/math" xmlns:a14="http://schemas.microsoft.com/office/drawing/2010/main" xmlns:ma14="http://schemas.microsoft.com/office/mac/drawingml/2011/main" val="1"/>
                   </a:ext>
                 </a:extLst>
               </p:spPr>
@@ -15062,7 +15058,7 @@
           </a:prstGeom>
           <a:extLst>
             <a:ext uri="{C572A759-6A51-4108-AA02-DFA0A04FC94B}">
-              <ma14:wrappingTextBoxFlag xmlns:ma14="http://schemas.microsoft.com/office/mac/drawingml/2011/main" xmlns:a14="http://schemas.microsoft.com/office/drawing/2010/main" xmlns:m="http://schemas.openxmlformats.org/officeDocument/2006/math" xmlns="" val="1"/>
+              <ma14:wrappingTextBoxFlag xmlns="" xmlns:m="http://schemas.openxmlformats.org/officeDocument/2006/math" xmlns:a14="http://schemas.microsoft.com/office/drawing/2010/main" xmlns:ma14="http://schemas.microsoft.com/office/mac/drawingml/2011/main" val="1"/>
             </a:ext>
           </a:extLst>
         </p:spPr>
@@ -15527,7 +15523,7 @@
                 <a:effectLst/>
                 <a:extLst>
                   <a:ext uri="{C572A759-6A51-4108-AA02-DFA0A04FC94B}">
-                    <ma14:wrappingTextBoxFlag xmlns:ma14="http://schemas.microsoft.com/office/mac/drawingml/2011/main" xmlns:a14="http://schemas.microsoft.com/office/drawing/2010/main" xmlns:m="http://schemas.openxmlformats.org/officeDocument/2006/math" xmlns="" val="1"/>
+                    <ma14:wrappingTextBoxFlag xmlns="" xmlns:m="http://schemas.openxmlformats.org/officeDocument/2006/math" xmlns:a14="http://schemas.microsoft.com/office/drawing/2010/main" xmlns:ma14="http://schemas.microsoft.com/office/mac/drawingml/2011/main" val="1"/>
                   </a:ext>
                 </a:extLst>
               </p:spPr>
@@ -15687,7 +15683,7 @@
                 <a:effectLst/>
                 <a:extLst>
                   <a:ext uri="{C572A759-6A51-4108-AA02-DFA0A04FC94B}">
-                    <ma14:wrappingTextBoxFlag xmlns:ma14="http://schemas.microsoft.com/office/mac/drawingml/2011/main" xmlns:a14="http://schemas.microsoft.com/office/drawing/2010/main" xmlns:m="http://schemas.openxmlformats.org/officeDocument/2006/math" xmlns="" val="1"/>
+                    <ma14:wrappingTextBoxFlag xmlns="" xmlns:m="http://schemas.openxmlformats.org/officeDocument/2006/math" xmlns:a14="http://schemas.microsoft.com/office/drawing/2010/main" xmlns:ma14="http://schemas.microsoft.com/office/mac/drawingml/2011/main" val="1"/>
                   </a:ext>
                 </a:extLst>
               </p:spPr>
@@ -15847,7 +15843,7 @@
                 <a:effectLst/>
                 <a:extLst>
                   <a:ext uri="{C572A759-6A51-4108-AA02-DFA0A04FC94B}">
-                    <ma14:wrappingTextBoxFlag xmlns:ma14="http://schemas.microsoft.com/office/mac/drawingml/2011/main" xmlns:a14="http://schemas.microsoft.com/office/drawing/2010/main" xmlns:m="http://schemas.openxmlformats.org/officeDocument/2006/math" xmlns="" val="1"/>
+                    <ma14:wrappingTextBoxFlag xmlns="" xmlns:m="http://schemas.openxmlformats.org/officeDocument/2006/math" xmlns:a14="http://schemas.microsoft.com/office/drawing/2010/main" xmlns:ma14="http://schemas.microsoft.com/office/mac/drawingml/2011/main" val="1"/>
                   </a:ext>
                 </a:extLst>
               </p:spPr>
@@ -16007,7 +16003,7 @@
                 <a:effectLst/>
                 <a:extLst>
                   <a:ext uri="{C572A759-6A51-4108-AA02-DFA0A04FC94B}">
-                    <ma14:wrappingTextBoxFlag xmlns:ma14="http://schemas.microsoft.com/office/mac/drawingml/2011/main" xmlns:a14="http://schemas.microsoft.com/office/drawing/2010/main" xmlns:m="http://schemas.openxmlformats.org/officeDocument/2006/math" xmlns="" val="1"/>
+                    <ma14:wrappingTextBoxFlag xmlns="" xmlns:m="http://schemas.openxmlformats.org/officeDocument/2006/math" xmlns:a14="http://schemas.microsoft.com/office/drawing/2010/main" xmlns:ma14="http://schemas.microsoft.com/office/mac/drawingml/2011/main" val="1"/>
                   </a:ext>
                 </a:extLst>
               </p:spPr>
@@ -16773,7 +16769,7 @@
           </a:prstGeom>
           <a:extLst>
             <a:ext uri="{C572A759-6A51-4108-AA02-DFA0A04FC94B}">
-              <ma14:wrappingTextBoxFlag xmlns:ma14="http://schemas.microsoft.com/office/mac/drawingml/2011/main" xmlns:a14="http://schemas.microsoft.com/office/drawing/2010/main" xmlns:m="http://schemas.openxmlformats.org/officeDocument/2006/math" xmlns="" val="1"/>
+              <ma14:wrappingTextBoxFlag xmlns="" xmlns:m="http://schemas.openxmlformats.org/officeDocument/2006/math" xmlns:a14="http://schemas.microsoft.com/office/drawing/2010/main" xmlns:ma14="http://schemas.microsoft.com/office/mac/drawingml/2011/main" val="1"/>
             </a:ext>
           </a:extLst>
         </p:spPr>
@@ -16918,7 +16914,7 @@
               <a:effectLst/>
               <a:extLst>
                 <a:ext uri="{C572A759-6A51-4108-AA02-DFA0A04FC94B}">
-                  <ma14:wrappingTextBoxFlag xmlns:ma14="http://schemas.microsoft.com/office/mac/drawingml/2011/main" xmlns:a14="http://schemas.microsoft.com/office/drawing/2010/main" xmlns:m="http://schemas.openxmlformats.org/officeDocument/2006/math" xmlns="" val="1"/>
+                  <ma14:wrappingTextBoxFlag xmlns="" xmlns:m="http://schemas.openxmlformats.org/officeDocument/2006/math" xmlns:a14="http://schemas.microsoft.com/office/drawing/2010/main" xmlns:ma14="http://schemas.microsoft.com/office/mac/drawingml/2011/main" val="1"/>
                 </a:ext>
               </a:extLst>
             </p:spPr>
@@ -17034,7 +17030,7 @@
               <a:effectLst/>
               <a:extLst>
                 <a:ext uri="{C572A759-6A51-4108-AA02-DFA0A04FC94B}">
-                  <ma14:wrappingTextBoxFlag xmlns:ma14="http://schemas.microsoft.com/office/mac/drawingml/2011/main" xmlns:a14="http://schemas.microsoft.com/office/drawing/2010/main" xmlns:m="http://schemas.openxmlformats.org/officeDocument/2006/math" xmlns="" val="1"/>
+                  <ma14:wrappingTextBoxFlag xmlns="" xmlns:m="http://schemas.openxmlformats.org/officeDocument/2006/math" xmlns:a14="http://schemas.microsoft.com/office/drawing/2010/main" xmlns:ma14="http://schemas.microsoft.com/office/mac/drawingml/2011/main" val="1"/>
                 </a:ext>
               </a:extLst>
             </p:spPr>
@@ -17214,7 +17210,7 @@
             <a:effectLst/>
             <a:extLst>
               <a:ext uri="{C572A759-6A51-4108-AA02-DFA0A04FC94B}">
-                <ma14:wrappingTextBoxFlag xmlns:ma14="http://schemas.microsoft.com/office/mac/drawingml/2011/main" xmlns:a14="http://schemas.microsoft.com/office/drawing/2010/main" xmlns:m="http://schemas.openxmlformats.org/officeDocument/2006/math" xmlns="" val="1"/>
+                <ma14:wrappingTextBoxFlag xmlns="" xmlns:m="http://schemas.openxmlformats.org/officeDocument/2006/math" xmlns:a14="http://schemas.microsoft.com/office/drawing/2010/main" xmlns:ma14="http://schemas.microsoft.com/office/mac/drawingml/2011/main" val="1"/>
               </a:ext>
             </a:extLst>
           </p:spPr>
@@ -17627,7 +17623,7 @@
               <a:effectLst/>
               <a:extLst>
                 <a:ext uri="{C572A759-6A51-4108-AA02-DFA0A04FC94B}">
-                  <ma14:wrappingTextBoxFlag xmlns:ma14="http://schemas.microsoft.com/office/mac/drawingml/2011/main" xmlns:a14="http://schemas.microsoft.com/office/drawing/2010/main" xmlns:m="http://schemas.openxmlformats.org/officeDocument/2006/math" xmlns="" val="1"/>
+                  <ma14:wrappingTextBoxFlag xmlns="" xmlns:m="http://schemas.openxmlformats.org/officeDocument/2006/math" xmlns:a14="http://schemas.microsoft.com/office/drawing/2010/main" xmlns:ma14="http://schemas.microsoft.com/office/mac/drawingml/2011/main" val="1"/>
                 </a:ext>
               </a:extLst>
             </p:spPr>
@@ -17777,7 +17773,7 @@
               <a:effectLst/>
               <a:extLst>
                 <a:ext uri="{C572A759-6A51-4108-AA02-DFA0A04FC94B}">
-                  <ma14:wrappingTextBoxFlag xmlns:ma14="http://schemas.microsoft.com/office/mac/drawingml/2011/main" xmlns:a14="http://schemas.microsoft.com/office/drawing/2010/main" xmlns:m="http://schemas.openxmlformats.org/officeDocument/2006/math" xmlns="" val="1"/>
+                  <ma14:wrappingTextBoxFlag xmlns="" xmlns:m="http://schemas.openxmlformats.org/officeDocument/2006/math" xmlns:a14="http://schemas.microsoft.com/office/drawing/2010/main" xmlns:ma14="http://schemas.microsoft.com/office/mac/drawingml/2011/main" val="1"/>
                 </a:ext>
               </a:extLst>
             </p:spPr>
@@ -17911,7 +17907,7 @@
               <a:effectLst/>
               <a:extLst>
                 <a:ext uri="{C572A759-6A51-4108-AA02-DFA0A04FC94B}">
-                  <ma14:wrappingTextBoxFlag xmlns:ma14="http://schemas.microsoft.com/office/mac/drawingml/2011/main" xmlns:a14="http://schemas.microsoft.com/office/drawing/2010/main" xmlns:m="http://schemas.openxmlformats.org/officeDocument/2006/math" xmlns="" val="1"/>
+                  <ma14:wrappingTextBoxFlag xmlns="" xmlns:m="http://schemas.openxmlformats.org/officeDocument/2006/math" xmlns:a14="http://schemas.microsoft.com/office/drawing/2010/main" xmlns:ma14="http://schemas.microsoft.com/office/mac/drawingml/2011/main" val="1"/>
                 </a:ext>
               </a:extLst>
             </p:spPr>
@@ -18061,7 +18057,7 @@
               <a:effectLst/>
               <a:extLst>
                 <a:ext uri="{C572A759-6A51-4108-AA02-DFA0A04FC94B}">
-                  <ma14:wrappingTextBoxFlag xmlns:ma14="http://schemas.microsoft.com/office/mac/drawingml/2011/main" xmlns:a14="http://schemas.microsoft.com/office/drawing/2010/main" xmlns:m="http://schemas.openxmlformats.org/officeDocument/2006/math" xmlns="" val="1"/>
+                  <ma14:wrappingTextBoxFlag xmlns="" xmlns:m="http://schemas.openxmlformats.org/officeDocument/2006/math" xmlns:a14="http://schemas.microsoft.com/office/drawing/2010/main" xmlns:ma14="http://schemas.microsoft.com/office/mac/drawingml/2011/main" val="1"/>
                 </a:ext>
               </a:extLst>
             </p:spPr>
@@ -18796,7 +18792,7 @@
           </a:prstGeom>
           <a:extLst>
             <a:ext uri="{C572A759-6A51-4108-AA02-DFA0A04FC94B}">
-              <ma14:wrappingTextBoxFlag xmlns:ma14="http://schemas.microsoft.com/office/mac/drawingml/2011/main" xmlns:a14="http://schemas.microsoft.com/office/drawing/2010/main" xmlns:m="http://schemas.openxmlformats.org/officeDocument/2006/math" xmlns="" val="1"/>
+              <ma14:wrappingTextBoxFlag xmlns="" xmlns:m="http://schemas.openxmlformats.org/officeDocument/2006/math" xmlns:a14="http://schemas.microsoft.com/office/drawing/2010/main" xmlns:ma14="http://schemas.microsoft.com/office/mac/drawingml/2011/main" val="1"/>
             </a:ext>
           </a:extLst>
         </p:spPr>
@@ -18941,7 +18937,7 @@
               <a:effectLst/>
               <a:extLst>
                 <a:ext uri="{C572A759-6A51-4108-AA02-DFA0A04FC94B}">
-                  <ma14:wrappingTextBoxFlag xmlns:ma14="http://schemas.microsoft.com/office/mac/drawingml/2011/main" xmlns:a14="http://schemas.microsoft.com/office/drawing/2010/main" xmlns:m="http://schemas.openxmlformats.org/officeDocument/2006/math" xmlns="" val="1"/>
+                  <ma14:wrappingTextBoxFlag xmlns="" xmlns:m="http://schemas.openxmlformats.org/officeDocument/2006/math" xmlns:a14="http://schemas.microsoft.com/office/drawing/2010/main" xmlns:ma14="http://schemas.microsoft.com/office/mac/drawingml/2011/main" val="1"/>
                 </a:ext>
               </a:extLst>
             </p:spPr>
@@ -19057,7 +19053,7 @@
               <a:effectLst/>
               <a:extLst>
                 <a:ext uri="{C572A759-6A51-4108-AA02-DFA0A04FC94B}">
-                  <ma14:wrappingTextBoxFlag xmlns:ma14="http://schemas.microsoft.com/office/mac/drawingml/2011/main" xmlns:a14="http://schemas.microsoft.com/office/drawing/2010/main" xmlns:m="http://schemas.openxmlformats.org/officeDocument/2006/math" xmlns="" val="1"/>
+                  <ma14:wrappingTextBoxFlag xmlns="" xmlns:m="http://schemas.openxmlformats.org/officeDocument/2006/math" xmlns:a14="http://schemas.microsoft.com/office/drawing/2010/main" xmlns:ma14="http://schemas.microsoft.com/office/mac/drawingml/2011/main" val="1"/>
                 </a:ext>
               </a:extLst>
             </p:spPr>
@@ -19442,7 +19438,7 @@
               <a:effectLst/>
               <a:extLst>
                 <a:ext uri="{C572A759-6A51-4108-AA02-DFA0A04FC94B}">
-                  <ma14:wrappingTextBoxFlag xmlns:ma14="http://schemas.microsoft.com/office/mac/drawingml/2011/main" xmlns:a14="http://schemas.microsoft.com/office/drawing/2010/main" xmlns:m="http://schemas.openxmlformats.org/officeDocument/2006/math" xmlns="" val="1"/>
+                  <ma14:wrappingTextBoxFlag xmlns="" xmlns:m="http://schemas.openxmlformats.org/officeDocument/2006/math" xmlns:a14="http://schemas.microsoft.com/office/drawing/2010/main" xmlns:ma14="http://schemas.microsoft.com/office/mac/drawingml/2011/main" val="1"/>
                 </a:ext>
               </a:extLst>
             </p:spPr>
@@ -19558,7 +19554,7 @@
               <a:effectLst/>
               <a:extLst>
                 <a:ext uri="{C572A759-6A51-4108-AA02-DFA0A04FC94B}">
-                  <ma14:wrappingTextBoxFlag xmlns:ma14="http://schemas.microsoft.com/office/mac/drawingml/2011/main" xmlns:a14="http://schemas.microsoft.com/office/drawing/2010/main" xmlns:m="http://schemas.openxmlformats.org/officeDocument/2006/math" xmlns="" val="1"/>
+                  <ma14:wrappingTextBoxFlag xmlns="" xmlns:m="http://schemas.openxmlformats.org/officeDocument/2006/math" xmlns:a14="http://schemas.microsoft.com/office/drawing/2010/main" xmlns:ma14="http://schemas.microsoft.com/office/mac/drawingml/2011/main" val="1"/>
                 </a:ext>
               </a:extLst>
             </p:spPr>
@@ -19815,7 +19811,7 @@
               <a:effectLst/>
               <a:extLst>
                 <a:ext uri="{C572A759-6A51-4108-AA02-DFA0A04FC94B}">
-                  <ma14:wrappingTextBoxFlag xmlns:ma14="http://schemas.microsoft.com/office/mac/drawingml/2011/main" xmlns:a14="http://schemas.microsoft.com/office/drawing/2010/main" xmlns:m="http://schemas.openxmlformats.org/officeDocument/2006/math" xmlns="" val="1"/>
+                  <ma14:wrappingTextBoxFlag xmlns="" xmlns:m="http://schemas.openxmlformats.org/officeDocument/2006/math" xmlns:a14="http://schemas.microsoft.com/office/drawing/2010/main" xmlns:ma14="http://schemas.microsoft.com/office/mac/drawingml/2011/main" val="1"/>
                 </a:ext>
               </a:extLst>
             </p:spPr>
@@ -19931,7 +19927,7 @@
               <a:effectLst/>
               <a:extLst>
                 <a:ext uri="{C572A759-6A51-4108-AA02-DFA0A04FC94B}">
-                  <ma14:wrappingTextBoxFlag xmlns:ma14="http://schemas.microsoft.com/office/mac/drawingml/2011/main" xmlns:a14="http://schemas.microsoft.com/office/drawing/2010/main" xmlns:m="http://schemas.openxmlformats.org/officeDocument/2006/math" xmlns="" val="1"/>
+                  <ma14:wrappingTextBoxFlag xmlns="" xmlns:m="http://schemas.openxmlformats.org/officeDocument/2006/math" xmlns:a14="http://schemas.microsoft.com/office/drawing/2010/main" xmlns:ma14="http://schemas.microsoft.com/office/mac/drawingml/2011/main" val="1"/>
                 </a:ext>
               </a:extLst>
             </p:spPr>
@@ -19978,7 +19974,7 @@
         <p:fade/>
       </p:transition>
     </mc:Choice>
-    <mc:Fallback xmlns:a14="http://schemas.microsoft.com/office/drawing/2010/main" xmlns:m="http://schemas.openxmlformats.org/officeDocument/2006/math" xmlns="">
+    <mc:Fallback xmlns="" xmlns:m="http://schemas.openxmlformats.org/officeDocument/2006/math" xmlns:a14="http://schemas.microsoft.com/office/drawing/2010/main">
       <p:transition spd="slow">
         <p:fade/>
       </p:transition>
